--- a/Common-and-Prerequisite-Material/Module_Legal/Lesson_3_LegalAspects_Privacy.pptx
+++ b/Common-and-Prerequisite-Material/Module_Legal/Lesson_3_LegalAspects_Privacy.pptx
@@ -284,7 +284,7 @@
               <a:pPr>
                 <a:defRPr/>
               </a:pPr>
-              <a:t>3/27/2018</a:t>
+              <a:t>4/19/18</a:t>
             </a:fld>
             <a:endParaRPr lang="en-US"/>
           </a:p>
@@ -3097,7 +3097,7 @@
           <p:cNvPr id="2" name="Title 1">
             <a:extLst>
               <a:ext uri="{FF2B5EF4-FFF2-40B4-BE49-F238E27FC236}">
-                <a16:creationId xmlns:a16="http://schemas.microsoft.com/office/drawing/2014/main" id="{5C287DE2-E1A2-4F41-96FE-94AF4425CB03}"/>
+                <a16:creationId xmlns="" xmlns:a16="http://schemas.microsoft.com/office/drawing/2014/main" id="{5C287DE2-E1A2-4F41-96FE-94AF4425CB03}"/>
               </a:ext>
             </a:extLst>
           </p:cNvPr>
@@ -3122,6 +3122,10 @@
             </a:lvl1pPr>
           </a:lstStyle>
           <a:p>
+            <a:r>
+              <a:rPr lang="en-US" dirty="0"/>
+              <a:t/>
+            </a:r>
             <a:br>
               <a:rPr lang="en-US" dirty="0"/>
             </a:br>
@@ -3132,27 +3136,59 @@
             <a:br>
               <a:rPr lang="en-US" dirty="0"/>
             </a:br>
+            <a:r>
+              <a:rPr lang="en-US" dirty="0"/>
+              <a:t/>
+            </a:r>
             <a:br>
               <a:rPr lang="en-US" dirty="0"/>
             </a:br>
+            <a:r>
+              <a:rPr lang="en-US" dirty="0"/>
+              <a:t/>
+            </a:r>
             <a:br>
               <a:rPr lang="en-US" dirty="0"/>
             </a:br>
+            <a:r>
+              <a:rPr lang="en-US" dirty="0"/>
+              <a:t/>
+            </a:r>
             <a:br>
               <a:rPr lang="en-US" dirty="0"/>
             </a:br>
+            <a:r>
+              <a:rPr lang="en-US" dirty="0"/>
+              <a:t/>
+            </a:r>
             <a:br>
               <a:rPr lang="en-US" dirty="0"/>
             </a:br>
+            <a:r>
+              <a:rPr lang="en-US" dirty="0"/>
+              <a:t/>
+            </a:r>
             <a:br>
               <a:rPr lang="en-US" dirty="0"/>
             </a:br>
+            <a:r>
+              <a:rPr lang="en-US" dirty="0"/>
+              <a:t/>
+            </a:r>
             <a:br>
               <a:rPr lang="en-US" dirty="0"/>
             </a:br>
+            <a:r>
+              <a:rPr lang="en-US" dirty="0"/>
+              <a:t/>
+            </a:r>
             <a:br>
               <a:rPr lang="en-US" dirty="0"/>
             </a:br>
+            <a:r>
+              <a:rPr lang="en-US" dirty="0"/>
+              <a:t/>
+            </a:r>
             <a:br>
               <a:rPr lang="en-US" dirty="0"/>
             </a:br>
@@ -3163,6 +3199,10 @@
             <a:br>
               <a:rPr lang="en-US" dirty="0"/>
             </a:br>
+            <a:r>
+              <a:rPr lang="en-US" dirty="0"/>
+              <a:t/>
+            </a:r>
             <a:br>
               <a:rPr lang="en-US" dirty="0"/>
             </a:br>
@@ -3173,6 +3213,10 @@
             <a:br>
               <a:rPr lang="en-US" dirty="0"/>
             </a:br>
+            <a:r>
+              <a:rPr lang="en-US" dirty="0"/>
+              <a:t/>
+            </a:r>
             <a:br>
               <a:rPr lang="en-US" dirty="0"/>
             </a:br>
@@ -3192,7 +3236,7 @@
           <p:cNvPr id="3" name="Slide Number Placeholder 2">
             <a:extLst>
               <a:ext uri="{FF2B5EF4-FFF2-40B4-BE49-F238E27FC236}">
-                <a16:creationId xmlns:a16="http://schemas.microsoft.com/office/drawing/2014/main" id="{7D2FFADE-E1BC-48C1-83AA-6DDDD39A33C4}"/>
+                <a16:creationId xmlns="" xmlns:a16="http://schemas.microsoft.com/office/drawing/2014/main" id="{7D2FFADE-E1BC-48C1-83AA-6DDDD39A33C4}"/>
               </a:ext>
             </a:extLst>
           </p:cNvPr>
@@ -3227,7 +3271,7 @@
           <p:cNvPr id="9" name="Picture 8">
             <a:extLst>
               <a:ext uri="{FF2B5EF4-FFF2-40B4-BE49-F238E27FC236}">
-                <a16:creationId xmlns:a16="http://schemas.microsoft.com/office/drawing/2014/main" id="{9CBFC76A-A606-42CF-BCDF-C73975C150B9}"/>
+                <a16:creationId xmlns="" xmlns:a16="http://schemas.microsoft.com/office/drawing/2014/main" id="{9CBFC76A-A606-42CF-BCDF-C73975C150B9}"/>
               </a:ext>
             </a:extLst>
           </p:cNvPr>
@@ -4193,6 +4237,14 @@
           <a:bodyPr/>
           <a:lstStyle/>
           <a:p>
+            <a:r>
+              <a:rPr lang="en-US" dirty="0">
+                <a:solidFill>
+                  <a:srgbClr val="FF00FF"/>
+                </a:solidFill>
+              </a:rPr>
+              <a:t/>
+            </a:r>
             <a:br>
               <a:rPr lang="en-US" dirty="0">
                 <a:solidFill>
@@ -4200,6 +4252,14 @@
                 </a:solidFill>
               </a:rPr>
             </a:br>
+            <a:r>
+              <a:rPr lang="en-US" dirty="0">
+                <a:solidFill>
+                  <a:srgbClr val="FF00FF"/>
+                </a:solidFill>
+              </a:rPr>
+              <a:t/>
+            </a:r>
             <a:br>
               <a:rPr lang="en-US" dirty="0">
                 <a:solidFill>
@@ -4231,7 +4291,15 @@
           <a:p>
             <a:r>
               <a:rPr lang="en-US" dirty="0"/>
-              <a:t>Lesson 2: Privacy</a:t>
+              <a:t>Lesson </a:t>
+            </a:r>
+            <a:r>
+              <a:rPr lang="en-US" dirty="0" smtClean="0"/>
+              <a:t>3: </a:t>
+            </a:r>
+            <a:r>
+              <a:rPr lang="en-US" dirty="0"/>
+              <a:t>Privacy</a:t>
             </a:r>
           </a:p>
         </p:txBody>
@@ -4269,7 +4337,7 @@
           <p:cNvPr id="2" name="Title 1">
             <a:extLst>
               <a:ext uri="{FF2B5EF4-FFF2-40B4-BE49-F238E27FC236}">
-                <a16:creationId xmlns:a16="http://schemas.microsoft.com/office/drawing/2014/main" id="{63A95F7E-1B6A-425D-B29E-3A8170665A10}"/>
+                <a16:creationId xmlns="" xmlns:a16="http://schemas.microsoft.com/office/drawing/2014/main" id="{63A95F7E-1B6A-425D-B29E-3A8170665A10}"/>
               </a:ext>
             </a:extLst>
           </p:cNvPr>
@@ -4286,8 +4354,12 @@
           <a:lstStyle/>
           <a:p>
             <a:r>
-              <a:rPr lang="en-US" dirty="0"/>
-              <a:t>HIPPA Rules</a:t>
+              <a:rPr lang="en-US" dirty="0" smtClean="0"/>
+              <a:t>HIPAA </a:t>
+            </a:r>
+            <a:r>
+              <a:rPr lang="en-US" dirty="0"/>
+              <a:t>Rules</a:t>
             </a:r>
           </a:p>
         </p:txBody>
@@ -4297,7 +4369,7 @@
           <p:cNvPr id="3" name="Content Placeholder 2">
             <a:extLst>
               <a:ext uri="{FF2B5EF4-FFF2-40B4-BE49-F238E27FC236}">
-                <a16:creationId xmlns:a16="http://schemas.microsoft.com/office/drawing/2014/main" id="{28835A2E-EC61-49E8-86FF-BE776777C29D}"/>
+                <a16:creationId xmlns="" xmlns:a16="http://schemas.microsoft.com/office/drawing/2014/main" id="{28835A2E-EC61-49E8-86FF-BE776777C29D}"/>
               </a:ext>
             </a:extLst>
           </p:cNvPr>
@@ -4358,7 +4430,7 @@
           <p:cNvPr id="4" name="Slide Number Placeholder 3">
             <a:extLst>
               <a:ext uri="{FF2B5EF4-FFF2-40B4-BE49-F238E27FC236}">
-                <a16:creationId xmlns:a16="http://schemas.microsoft.com/office/drawing/2014/main" id="{67868FEA-9596-4CBE-AD28-2878E455A98C}"/>
+                <a16:creationId xmlns="" xmlns:a16="http://schemas.microsoft.com/office/drawing/2014/main" id="{67868FEA-9596-4CBE-AD28-2878E455A98C}"/>
               </a:ext>
             </a:extLst>
           </p:cNvPr>
@@ -4423,7 +4495,7 @@
           <p:cNvPr id="2" name="Title 1">
             <a:extLst>
               <a:ext uri="{FF2B5EF4-FFF2-40B4-BE49-F238E27FC236}">
-                <a16:creationId xmlns:a16="http://schemas.microsoft.com/office/drawing/2014/main" id="{010CB638-4D94-4C4E-8C38-CA3B8B27E5D7}"/>
+                <a16:creationId xmlns="" xmlns:a16="http://schemas.microsoft.com/office/drawing/2014/main" id="{010CB638-4D94-4C4E-8C38-CA3B8B27E5D7}"/>
               </a:ext>
             </a:extLst>
           </p:cNvPr>
@@ -4440,8 +4512,12 @@
           <a:lstStyle/>
           <a:p>
             <a:r>
-              <a:rPr lang="en-US" dirty="0"/>
-              <a:t>HIPPA PII</a:t>
+              <a:rPr lang="en-US" dirty="0" smtClean="0"/>
+              <a:t>HIPAA </a:t>
+            </a:r>
+            <a:r>
+              <a:rPr lang="en-US" dirty="0"/>
+              <a:t>PII</a:t>
             </a:r>
           </a:p>
         </p:txBody>
@@ -4451,7 +4527,7 @@
           <p:cNvPr id="3" name="Content Placeholder 2">
             <a:extLst>
               <a:ext uri="{FF2B5EF4-FFF2-40B4-BE49-F238E27FC236}">
-                <a16:creationId xmlns:a16="http://schemas.microsoft.com/office/drawing/2014/main" id="{F7BB0BAD-86E3-40DD-869F-7DF12477E483}"/>
+                <a16:creationId xmlns="" xmlns:a16="http://schemas.microsoft.com/office/drawing/2014/main" id="{F7BB0BAD-86E3-40DD-869F-7DF12477E483}"/>
               </a:ext>
             </a:extLst>
           </p:cNvPr>
@@ -4530,7 +4606,7 @@
           <p:cNvPr id="4" name="Slide Number Placeholder 3">
             <a:extLst>
               <a:ext uri="{FF2B5EF4-FFF2-40B4-BE49-F238E27FC236}">
-                <a16:creationId xmlns:a16="http://schemas.microsoft.com/office/drawing/2014/main" id="{DBAD2D30-3214-42E0-9601-D63C2EC0221C}"/>
+                <a16:creationId xmlns="" xmlns:a16="http://schemas.microsoft.com/office/drawing/2014/main" id="{DBAD2D30-3214-42E0-9601-D63C2EC0221C}"/>
               </a:ext>
             </a:extLst>
           </p:cNvPr>
@@ -4595,7 +4671,7 @@
           <p:cNvPr id="2" name="Title 1">
             <a:extLst>
               <a:ext uri="{FF2B5EF4-FFF2-40B4-BE49-F238E27FC236}">
-                <a16:creationId xmlns:a16="http://schemas.microsoft.com/office/drawing/2014/main" id="{A842DCCE-4415-463D-B4E3-A0EF38D7B52E}"/>
+                <a16:creationId xmlns="" xmlns:a16="http://schemas.microsoft.com/office/drawing/2014/main" id="{A842DCCE-4415-463D-B4E3-A0EF38D7B52E}"/>
               </a:ext>
             </a:extLst>
           </p:cNvPr>
@@ -4623,7 +4699,7 @@
           <p:cNvPr id="3" name="Content Placeholder 2">
             <a:extLst>
               <a:ext uri="{FF2B5EF4-FFF2-40B4-BE49-F238E27FC236}">
-                <a16:creationId xmlns:a16="http://schemas.microsoft.com/office/drawing/2014/main" id="{7C4CEBAA-6728-4484-9699-9EC9C1CBE465}"/>
+                <a16:creationId xmlns="" xmlns:a16="http://schemas.microsoft.com/office/drawing/2014/main" id="{7C4CEBAA-6728-4484-9699-9EC9C1CBE465}"/>
               </a:ext>
             </a:extLst>
           </p:cNvPr>
@@ -4659,7 +4735,7 @@
           <p:cNvPr id="4" name="Slide Number Placeholder 3">
             <a:extLst>
               <a:ext uri="{FF2B5EF4-FFF2-40B4-BE49-F238E27FC236}">
-                <a16:creationId xmlns:a16="http://schemas.microsoft.com/office/drawing/2014/main" id="{C66E3485-FF99-4C17-B1B7-FFD945EC6AA2}"/>
+                <a16:creationId xmlns="" xmlns:a16="http://schemas.microsoft.com/office/drawing/2014/main" id="{C66E3485-FF99-4C17-B1B7-FFD945EC6AA2}"/>
               </a:ext>
             </a:extLst>
           </p:cNvPr>
@@ -4694,7 +4770,7 @@
           <p:cNvPr id="5" name="TextBox 4">
             <a:extLst>
               <a:ext uri="{FF2B5EF4-FFF2-40B4-BE49-F238E27FC236}">
-                <a16:creationId xmlns:a16="http://schemas.microsoft.com/office/drawing/2014/main" id="{C83A9192-9775-4484-B075-118954D72B7F}"/>
+                <a16:creationId xmlns="" xmlns:a16="http://schemas.microsoft.com/office/drawing/2014/main" id="{C83A9192-9775-4484-B075-118954D72B7F}"/>
               </a:ext>
             </a:extLst>
           </p:cNvPr>
@@ -4836,7 +4912,7 @@
           <p:cNvPr id="6" name="TextBox 5">
             <a:extLst>
               <a:ext uri="{FF2B5EF4-FFF2-40B4-BE49-F238E27FC236}">
-                <a16:creationId xmlns:a16="http://schemas.microsoft.com/office/drawing/2014/main" id="{DAF26531-E7DC-47ED-9681-4328892BADED}"/>
+                <a16:creationId xmlns="" xmlns:a16="http://schemas.microsoft.com/office/drawing/2014/main" id="{DAF26531-E7DC-47ED-9681-4328892BADED}"/>
               </a:ext>
             </a:extLst>
           </p:cNvPr>
@@ -4915,7 +4991,7 @@
           <p:cNvPr id="2" name="Title 1">
             <a:extLst>
               <a:ext uri="{FF2B5EF4-FFF2-40B4-BE49-F238E27FC236}">
-                <a16:creationId xmlns:a16="http://schemas.microsoft.com/office/drawing/2014/main" id="{D9547B12-49D0-41E3-8007-E0E9A75827B0}"/>
+                <a16:creationId xmlns="" xmlns:a16="http://schemas.microsoft.com/office/drawing/2014/main" id="{D9547B12-49D0-41E3-8007-E0E9A75827B0}"/>
               </a:ext>
             </a:extLst>
           </p:cNvPr>
@@ -4943,7 +5019,7 @@
           <p:cNvPr id="3" name="Content Placeholder 2">
             <a:extLst>
               <a:ext uri="{FF2B5EF4-FFF2-40B4-BE49-F238E27FC236}">
-                <a16:creationId xmlns:a16="http://schemas.microsoft.com/office/drawing/2014/main" id="{7436943B-86F3-406A-BE74-FF6ED068A8CA}"/>
+                <a16:creationId xmlns="" xmlns:a16="http://schemas.microsoft.com/office/drawing/2014/main" id="{7436943B-86F3-406A-BE74-FF6ED068A8CA}"/>
               </a:ext>
             </a:extLst>
           </p:cNvPr>
@@ -5029,7 +5105,7 @@
           <p:cNvPr id="4" name="Slide Number Placeholder 3">
             <a:extLst>
               <a:ext uri="{FF2B5EF4-FFF2-40B4-BE49-F238E27FC236}">
-                <a16:creationId xmlns:a16="http://schemas.microsoft.com/office/drawing/2014/main" id="{5BAF76AA-B127-4B91-9046-1F8D27025471}"/>
+                <a16:creationId xmlns="" xmlns:a16="http://schemas.microsoft.com/office/drawing/2014/main" id="{5BAF76AA-B127-4B91-9046-1F8D27025471}"/>
               </a:ext>
             </a:extLst>
           </p:cNvPr>
@@ -5094,7 +5170,7 @@
           <p:cNvPr id="2" name="Title 1">
             <a:extLst>
               <a:ext uri="{FF2B5EF4-FFF2-40B4-BE49-F238E27FC236}">
-                <a16:creationId xmlns:a16="http://schemas.microsoft.com/office/drawing/2014/main" id="{196E4A9D-D0AC-43C0-B944-E8A7FC827090}"/>
+                <a16:creationId xmlns="" xmlns:a16="http://schemas.microsoft.com/office/drawing/2014/main" id="{196E4A9D-D0AC-43C0-B944-E8A7FC827090}"/>
               </a:ext>
             </a:extLst>
           </p:cNvPr>
@@ -5111,8 +5187,12 @@
           <a:lstStyle/>
           <a:p>
             <a:r>
-              <a:rPr lang="en-US" dirty="0"/>
-              <a:t>HIPPA Protected Health Information</a:t>
+              <a:rPr lang="en-US" dirty="0" smtClean="0"/>
+              <a:t>HIPAA </a:t>
+            </a:r>
+            <a:r>
+              <a:rPr lang="en-US" dirty="0"/>
+              <a:t>Protected Health Information</a:t>
             </a:r>
           </a:p>
         </p:txBody>
@@ -5122,7 +5202,7 @@
           <p:cNvPr id="3" name="Content Placeholder 2">
             <a:extLst>
               <a:ext uri="{FF2B5EF4-FFF2-40B4-BE49-F238E27FC236}">
-                <a16:creationId xmlns:a16="http://schemas.microsoft.com/office/drawing/2014/main" id="{34CC1740-D4D6-4C18-A158-4CCC7D56182F}"/>
+                <a16:creationId xmlns="" xmlns:a16="http://schemas.microsoft.com/office/drawing/2014/main" id="{34CC1740-D4D6-4C18-A158-4CCC7D56182F}"/>
               </a:ext>
             </a:extLst>
           </p:cNvPr>
@@ -5140,15 +5220,15 @@
           <a:p>
             <a:r>
               <a:rPr lang="en-US" sz="1600" dirty="0"/>
-              <a:t>Two definitions are important from </a:t>
-            </a:r>
-            <a:r>
-              <a:rPr lang="en-US" sz="1600" dirty="0" err="1"/>
-              <a:t>from</a:t>
+              <a:t>Two definitions are important </a:t>
+            </a:r>
+            <a:r>
+              <a:rPr lang="en-US" sz="1600" dirty="0" smtClean="0"/>
+              <a:t>from </a:t>
             </a:r>
             <a:r>
               <a:rPr lang="en-US" sz="1600" dirty="0"/>
-              <a:t> Health Insurance Portability and Accountability Act of 1996:  Administrative Simplification.  These statutory definitions are of </a:t>
+              <a:t>Health Insurance Portability and Accountability Act of 1996:  Administrative Simplification.  These statutory definitions are of </a:t>
             </a:r>
             <a:r>
               <a:rPr lang="en-US" sz="1600" i="1" dirty="0"/>
@@ -5255,7 +5335,7 @@
           <p:cNvPr id="4" name="Slide Number Placeholder 3">
             <a:extLst>
               <a:ext uri="{FF2B5EF4-FFF2-40B4-BE49-F238E27FC236}">
-                <a16:creationId xmlns:a16="http://schemas.microsoft.com/office/drawing/2014/main" id="{A8CF0127-F9C2-4427-95C5-1CCDC72CFDAD}"/>
+                <a16:creationId xmlns="" xmlns:a16="http://schemas.microsoft.com/office/drawing/2014/main" id="{A8CF0127-F9C2-4427-95C5-1CCDC72CFDAD}"/>
               </a:ext>
             </a:extLst>
           </p:cNvPr>
@@ -5320,7 +5400,7 @@
           <p:cNvPr id="2" name="Title 1">
             <a:extLst>
               <a:ext uri="{FF2B5EF4-FFF2-40B4-BE49-F238E27FC236}">
-                <a16:creationId xmlns:a16="http://schemas.microsoft.com/office/drawing/2014/main" id="{66AE1BA1-2FE3-432F-893C-87BF6BB1BD4A}"/>
+                <a16:creationId xmlns="" xmlns:a16="http://schemas.microsoft.com/office/drawing/2014/main" id="{66AE1BA1-2FE3-432F-893C-87BF6BB1BD4A}"/>
               </a:ext>
             </a:extLst>
           </p:cNvPr>
@@ -5337,8 +5417,12 @@
           <a:lstStyle/>
           <a:p>
             <a:r>
-              <a:rPr lang="en-US" dirty="0"/>
-              <a:t>HIPPA PHI</a:t>
+              <a:rPr lang="en-US" dirty="0" smtClean="0"/>
+              <a:t>HIPAA </a:t>
+            </a:r>
+            <a:r>
+              <a:rPr lang="en-US" dirty="0"/>
+              <a:t>PHI</a:t>
             </a:r>
           </a:p>
         </p:txBody>
@@ -5348,7 +5432,7 @@
           <p:cNvPr id="3" name="Content Placeholder 2">
             <a:extLst>
               <a:ext uri="{FF2B5EF4-FFF2-40B4-BE49-F238E27FC236}">
-                <a16:creationId xmlns:a16="http://schemas.microsoft.com/office/drawing/2014/main" id="{75D4C875-2201-4114-A4ED-C63E6831E0CD}"/>
+                <a16:creationId xmlns="" xmlns:a16="http://schemas.microsoft.com/office/drawing/2014/main" id="{75D4C875-2201-4114-A4ED-C63E6831E0CD}"/>
               </a:ext>
             </a:extLst>
           </p:cNvPr>
@@ -5504,7 +5588,7 @@
           <p:cNvPr id="4" name="Slide Number Placeholder 3">
             <a:extLst>
               <a:ext uri="{FF2B5EF4-FFF2-40B4-BE49-F238E27FC236}">
-                <a16:creationId xmlns:a16="http://schemas.microsoft.com/office/drawing/2014/main" id="{D45B522E-3680-4A42-AEF7-C2755E56D4BB}"/>
+                <a16:creationId xmlns="" xmlns:a16="http://schemas.microsoft.com/office/drawing/2014/main" id="{D45B522E-3680-4A42-AEF7-C2755E56D4BB}"/>
               </a:ext>
             </a:extLst>
           </p:cNvPr>
@@ -5569,7 +5653,7 @@
           <p:cNvPr id="2" name="Title 1">
             <a:extLst>
               <a:ext uri="{FF2B5EF4-FFF2-40B4-BE49-F238E27FC236}">
-                <a16:creationId xmlns:a16="http://schemas.microsoft.com/office/drawing/2014/main" id="{03C40426-83C4-4799-907F-F9D6DB2D91BD}"/>
+                <a16:creationId xmlns="" xmlns:a16="http://schemas.microsoft.com/office/drawing/2014/main" id="{03C40426-83C4-4799-907F-F9D6DB2D91BD}"/>
               </a:ext>
             </a:extLst>
           </p:cNvPr>
@@ -5597,7 +5681,7 @@
           <p:cNvPr id="3" name="Content Placeholder 2">
             <a:extLst>
               <a:ext uri="{FF2B5EF4-FFF2-40B4-BE49-F238E27FC236}">
-                <a16:creationId xmlns:a16="http://schemas.microsoft.com/office/drawing/2014/main" id="{EB1F0C08-5FCF-4C7B-9CF5-A14B89CD9C48}"/>
+                <a16:creationId xmlns="" xmlns:a16="http://schemas.microsoft.com/office/drawing/2014/main" id="{EB1F0C08-5FCF-4C7B-9CF5-A14B89CD9C48}"/>
               </a:ext>
             </a:extLst>
           </p:cNvPr>
@@ -5621,7 +5705,15 @@
           <a:p>
             <a:r>
               <a:rPr lang="en-US" dirty="0"/>
-              <a:t>From review of HIPPA it is clear that privacy is contextual. Discuss this and how it relates?</a:t>
+              <a:t>From review of </a:t>
+            </a:r>
+            <a:r>
+              <a:rPr lang="en-US" dirty="0" smtClean="0"/>
+              <a:t>HIPAA </a:t>
+            </a:r>
+            <a:r>
+              <a:rPr lang="en-US" dirty="0"/>
+              <a:t>it is clear that privacy is contextual. Discuss this and how it relates?</a:t>
             </a:r>
           </a:p>
           <a:p>
@@ -5649,7 +5741,7 @@
           <p:cNvPr id="4" name="Slide Number Placeholder 3">
             <a:extLst>
               <a:ext uri="{FF2B5EF4-FFF2-40B4-BE49-F238E27FC236}">
-                <a16:creationId xmlns:a16="http://schemas.microsoft.com/office/drawing/2014/main" id="{DC69B8B7-6D64-46F9-AC29-CD8B715F841D}"/>
+                <a16:creationId xmlns="" xmlns:a16="http://schemas.microsoft.com/office/drawing/2014/main" id="{DC69B8B7-6D64-46F9-AC29-CD8B715F841D}"/>
               </a:ext>
             </a:extLst>
           </p:cNvPr>
@@ -5714,7 +5806,7 @@
           <p:cNvPr id="11" name="Title 10">
             <a:extLst>
               <a:ext uri="{FF2B5EF4-FFF2-40B4-BE49-F238E27FC236}">
-                <a16:creationId xmlns:a16="http://schemas.microsoft.com/office/drawing/2014/main" id="{1F52A716-5142-4987-84C0-078D1007C406}"/>
+                <a16:creationId xmlns="" xmlns:a16="http://schemas.microsoft.com/office/drawing/2014/main" id="{1F52A716-5142-4987-84C0-078D1007C406}"/>
               </a:ext>
             </a:extLst>
           </p:cNvPr>
@@ -5739,7 +5831,7 @@
           <p:cNvPr id="7" name="Slide Number Placeholder 6">
             <a:extLst>
               <a:ext uri="{FF2B5EF4-FFF2-40B4-BE49-F238E27FC236}">
-                <a16:creationId xmlns:a16="http://schemas.microsoft.com/office/drawing/2014/main" id="{27B55DC7-B95B-4807-B808-1E7A81E0F45A}"/>
+                <a16:creationId xmlns="" xmlns:a16="http://schemas.microsoft.com/office/drawing/2014/main" id="{27B55DC7-B95B-4807-B808-1E7A81E0F45A}"/>
               </a:ext>
             </a:extLst>
           </p:cNvPr>
@@ -5843,14 +5935,14 @@
             <a:pPr lvl="1"/>
             <a:r>
               <a:rPr lang="en-US" dirty="0"/>
-              <a:t>Students will be able to describe different types of intellectual property</a:t>
+              <a:t>Students will be able to define privacy </a:t>
             </a:r>
           </a:p>
           <a:p>
             <a:pPr lvl="1"/>
             <a:r>
               <a:rPr lang="en-US" dirty="0"/>
-              <a:t>Students will be able to describe legal mechanisms for protecting intellectual property</a:t>
+              <a:t>Students will be able to list some privacy laws and describe the purpose of them</a:t>
             </a:r>
           </a:p>
         </p:txBody>
@@ -5860,7 +5952,7 @@
           <p:cNvPr id="3" name="Slide Number Placeholder 2">
             <a:extLst>
               <a:ext uri="{FF2B5EF4-FFF2-40B4-BE49-F238E27FC236}">
-                <a16:creationId xmlns:a16="http://schemas.microsoft.com/office/drawing/2014/main" id="{0B1163B0-19D9-4859-8B88-CD4B646011C3}"/>
+                <a16:creationId xmlns="" xmlns:a16="http://schemas.microsoft.com/office/drawing/2014/main" id="{0B1163B0-19D9-4859-8B88-CD4B646011C3}"/>
               </a:ext>
             </a:extLst>
           </p:cNvPr>
@@ -5923,7 +6015,7 @@
           <p:cNvPr id="2" name="Title 1">
             <a:extLst>
               <a:ext uri="{FF2B5EF4-FFF2-40B4-BE49-F238E27FC236}">
-                <a16:creationId xmlns:a16="http://schemas.microsoft.com/office/drawing/2014/main" id="{BBDB491D-64DC-4CC0-989A-B202536B6F47}"/>
+                <a16:creationId xmlns="" xmlns:a16="http://schemas.microsoft.com/office/drawing/2014/main" id="{BBDB491D-64DC-4CC0-989A-B202536B6F47}"/>
               </a:ext>
             </a:extLst>
           </p:cNvPr>
@@ -5951,7 +6043,7 @@
           <p:cNvPr id="3" name="Content Placeholder 2">
             <a:extLst>
               <a:ext uri="{FF2B5EF4-FFF2-40B4-BE49-F238E27FC236}">
-                <a16:creationId xmlns:a16="http://schemas.microsoft.com/office/drawing/2014/main" id="{59A778C3-AC0E-4B75-9EA9-A6A07AA4FBFD}"/>
+                <a16:creationId xmlns="" xmlns:a16="http://schemas.microsoft.com/office/drawing/2014/main" id="{59A778C3-AC0E-4B75-9EA9-A6A07AA4FBFD}"/>
               </a:ext>
             </a:extLst>
           </p:cNvPr>
@@ -6013,7 +6105,7 @@
           <p:cNvPr id="4" name="Slide Number Placeholder 3">
             <a:extLst>
               <a:ext uri="{FF2B5EF4-FFF2-40B4-BE49-F238E27FC236}">
-                <a16:creationId xmlns:a16="http://schemas.microsoft.com/office/drawing/2014/main" id="{4095C56C-6682-450D-B58C-D0E2347B47C0}"/>
+                <a16:creationId xmlns="" xmlns:a16="http://schemas.microsoft.com/office/drawing/2014/main" id="{4095C56C-6682-450D-B58C-D0E2347B47C0}"/>
               </a:ext>
             </a:extLst>
           </p:cNvPr>
@@ -6078,7 +6170,7 @@
           <p:cNvPr id="2" name="Title 1">
             <a:extLst>
               <a:ext uri="{FF2B5EF4-FFF2-40B4-BE49-F238E27FC236}">
-                <a16:creationId xmlns:a16="http://schemas.microsoft.com/office/drawing/2014/main" id="{2D3F13E2-9874-437C-8E8B-85B5ADF50A3F}"/>
+                <a16:creationId xmlns="" xmlns:a16="http://schemas.microsoft.com/office/drawing/2014/main" id="{2D3F13E2-9874-437C-8E8B-85B5ADF50A3F}"/>
               </a:ext>
             </a:extLst>
           </p:cNvPr>
@@ -6106,7 +6198,7 @@
           <p:cNvPr id="3" name="Content Placeholder 2">
             <a:extLst>
               <a:ext uri="{FF2B5EF4-FFF2-40B4-BE49-F238E27FC236}">
-                <a16:creationId xmlns:a16="http://schemas.microsoft.com/office/drawing/2014/main" id="{8E213C45-B816-437C-9505-B8F317A6B1A9}"/>
+                <a16:creationId xmlns="" xmlns:a16="http://schemas.microsoft.com/office/drawing/2014/main" id="{8E213C45-B816-437C-9505-B8F317A6B1A9}"/>
               </a:ext>
             </a:extLst>
           </p:cNvPr>
@@ -6164,7 +6256,7 @@
           <p:cNvPr id="4" name="Slide Number Placeholder 3">
             <a:extLst>
               <a:ext uri="{FF2B5EF4-FFF2-40B4-BE49-F238E27FC236}">
-                <a16:creationId xmlns:a16="http://schemas.microsoft.com/office/drawing/2014/main" id="{9FE83278-D722-4E92-9F63-D2A76E22FB8E}"/>
+                <a16:creationId xmlns="" xmlns:a16="http://schemas.microsoft.com/office/drawing/2014/main" id="{9FE83278-D722-4E92-9F63-D2A76E22FB8E}"/>
               </a:ext>
             </a:extLst>
           </p:cNvPr>
@@ -6229,7 +6321,7 @@
           <p:cNvPr id="2" name="Title 1">
             <a:extLst>
               <a:ext uri="{FF2B5EF4-FFF2-40B4-BE49-F238E27FC236}">
-                <a16:creationId xmlns:a16="http://schemas.microsoft.com/office/drawing/2014/main" id="{1DA7A03B-D4CE-4F7C-84C7-B1CA68250256}"/>
+                <a16:creationId xmlns="" xmlns:a16="http://schemas.microsoft.com/office/drawing/2014/main" id="{1DA7A03B-D4CE-4F7C-84C7-B1CA68250256}"/>
               </a:ext>
             </a:extLst>
           </p:cNvPr>
@@ -6257,7 +6349,7 @@
           <p:cNvPr id="3" name="Content Placeholder 2">
             <a:extLst>
               <a:ext uri="{FF2B5EF4-FFF2-40B4-BE49-F238E27FC236}">
-                <a16:creationId xmlns:a16="http://schemas.microsoft.com/office/drawing/2014/main" id="{9B5B1F7A-6409-413C-8AD3-D5FC76691E48}"/>
+                <a16:creationId xmlns="" xmlns:a16="http://schemas.microsoft.com/office/drawing/2014/main" id="{9B5B1F7A-6409-413C-8AD3-D5FC76691E48}"/>
               </a:ext>
             </a:extLst>
           </p:cNvPr>
@@ -6308,7 +6400,7 @@
           <p:cNvPr id="4" name="Slide Number Placeholder 3">
             <a:extLst>
               <a:ext uri="{FF2B5EF4-FFF2-40B4-BE49-F238E27FC236}">
-                <a16:creationId xmlns:a16="http://schemas.microsoft.com/office/drawing/2014/main" id="{07CE3B26-9547-47FD-994F-4863369255C4}"/>
+                <a16:creationId xmlns="" xmlns:a16="http://schemas.microsoft.com/office/drawing/2014/main" id="{07CE3B26-9547-47FD-994F-4863369255C4}"/>
               </a:ext>
             </a:extLst>
           </p:cNvPr>
@@ -6373,7 +6465,7 @@
           <p:cNvPr id="2" name="Title 1">
             <a:extLst>
               <a:ext uri="{FF2B5EF4-FFF2-40B4-BE49-F238E27FC236}">
-                <a16:creationId xmlns:a16="http://schemas.microsoft.com/office/drawing/2014/main" id="{E6B0B17E-2C03-472D-9DB1-A6D18CD98C37}"/>
+                <a16:creationId xmlns="" xmlns:a16="http://schemas.microsoft.com/office/drawing/2014/main" id="{E6B0B17E-2C03-472D-9DB1-A6D18CD98C37}"/>
               </a:ext>
             </a:extLst>
           </p:cNvPr>
@@ -6401,7 +6493,7 @@
           <p:cNvPr id="3" name="Content Placeholder 2">
             <a:extLst>
               <a:ext uri="{FF2B5EF4-FFF2-40B4-BE49-F238E27FC236}">
-                <a16:creationId xmlns:a16="http://schemas.microsoft.com/office/drawing/2014/main" id="{1DA26789-01FB-482E-9A1A-686DF04BAAFD}"/>
+                <a16:creationId xmlns="" xmlns:a16="http://schemas.microsoft.com/office/drawing/2014/main" id="{1DA26789-01FB-482E-9A1A-686DF04BAAFD}"/>
               </a:ext>
             </a:extLst>
           </p:cNvPr>
@@ -6445,7 +6537,7 @@
           <p:cNvPr id="4" name="Slide Number Placeholder 3">
             <a:extLst>
               <a:ext uri="{FF2B5EF4-FFF2-40B4-BE49-F238E27FC236}">
-                <a16:creationId xmlns:a16="http://schemas.microsoft.com/office/drawing/2014/main" id="{5DCD1EF0-52A0-445D-87C4-F9E10806B46B}"/>
+                <a16:creationId xmlns="" xmlns:a16="http://schemas.microsoft.com/office/drawing/2014/main" id="{5DCD1EF0-52A0-445D-87C4-F9E10806B46B}"/>
               </a:ext>
             </a:extLst>
           </p:cNvPr>
@@ -6510,7 +6602,7 @@
           <p:cNvPr id="2" name="Title 1">
             <a:extLst>
               <a:ext uri="{FF2B5EF4-FFF2-40B4-BE49-F238E27FC236}">
-                <a16:creationId xmlns:a16="http://schemas.microsoft.com/office/drawing/2014/main" id="{C8334E60-F058-4AC3-BCC6-9D355D012256}"/>
+                <a16:creationId xmlns="" xmlns:a16="http://schemas.microsoft.com/office/drawing/2014/main" id="{C8334E60-F058-4AC3-BCC6-9D355D012256}"/>
               </a:ext>
             </a:extLst>
           </p:cNvPr>
@@ -6538,7 +6630,7 @@
           <p:cNvPr id="3" name="Content Placeholder 2">
             <a:extLst>
               <a:ext uri="{FF2B5EF4-FFF2-40B4-BE49-F238E27FC236}">
-                <a16:creationId xmlns:a16="http://schemas.microsoft.com/office/drawing/2014/main" id="{62B7A6B6-42AC-42BA-95B3-D63FD4617130}"/>
+                <a16:creationId xmlns="" xmlns:a16="http://schemas.microsoft.com/office/drawing/2014/main" id="{62B7A6B6-42AC-42BA-95B3-D63FD4617130}"/>
               </a:ext>
             </a:extLst>
           </p:cNvPr>
@@ -6559,12 +6651,12 @@
               <a:t>The Regulation separates responsibilities and duties of data controllers and processors, obligating controllers to engage only those processors that provide “sufficient guarantees to implement appropriate technical and </a:t>
             </a:r>
             <a:r>
-              <a:rPr lang="en-US" sz="2400" dirty="0" err="1"/>
-              <a:t>organisational</a:t>
+              <a:rPr lang="en-US" sz="2400" dirty="0" smtClean="0"/>
+              <a:t>organizational </a:t>
             </a:r>
             <a:r>
               <a:rPr lang="en-US" sz="2400" dirty="0"/>
-              <a:t> measures” to meet the Regulation’s requirements and protect data subjects’ rights. </a:t>
+              <a:t>measures” to meet the Regulation’s requirements and protect data subjects’ rights. </a:t>
             </a:r>
           </a:p>
           <a:p>
@@ -6586,7 +6678,7 @@
           <p:cNvPr id="4" name="Slide Number Placeholder 3">
             <a:extLst>
               <a:ext uri="{FF2B5EF4-FFF2-40B4-BE49-F238E27FC236}">
-                <a16:creationId xmlns:a16="http://schemas.microsoft.com/office/drawing/2014/main" id="{17D02FCC-74BD-4789-92B6-677F75F8F0B9}"/>
+                <a16:creationId xmlns="" xmlns:a16="http://schemas.microsoft.com/office/drawing/2014/main" id="{17D02FCC-74BD-4789-92B6-677F75F8F0B9}"/>
               </a:ext>
             </a:extLst>
           </p:cNvPr>
@@ -6651,7 +6743,7 @@
           <p:cNvPr id="2" name="Title 1">
             <a:extLst>
               <a:ext uri="{FF2B5EF4-FFF2-40B4-BE49-F238E27FC236}">
-                <a16:creationId xmlns:a16="http://schemas.microsoft.com/office/drawing/2014/main" id="{91941CF3-08A7-4487-8D7A-16EA8E42C2E2}"/>
+                <a16:creationId xmlns="" xmlns:a16="http://schemas.microsoft.com/office/drawing/2014/main" id="{91941CF3-08A7-4487-8D7A-16EA8E42C2E2}"/>
               </a:ext>
             </a:extLst>
           </p:cNvPr>
@@ -6679,7 +6771,7 @@
           <p:cNvPr id="3" name="Content Placeholder 2">
             <a:extLst>
               <a:ext uri="{FF2B5EF4-FFF2-40B4-BE49-F238E27FC236}">
-                <a16:creationId xmlns:a16="http://schemas.microsoft.com/office/drawing/2014/main" id="{944ACE30-7E8D-4986-91DE-1E93BCF66D12}"/>
+                <a16:creationId xmlns="" xmlns:a16="http://schemas.microsoft.com/office/drawing/2014/main" id="{944ACE30-7E8D-4986-91DE-1E93BCF66D12}"/>
               </a:ext>
             </a:extLst>
           </p:cNvPr>
@@ -6744,7 +6836,7 @@
           <p:cNvPr id="4" name="Slide Number Placeholder 3">
             <a:extLst>
               <a:ext uri="{FF2B5EF4-FFF2-40B4-BE49-F238E27FC236}">
-                <a16:creationId xmlns:a16="http://schemas.microsoft.com/office/drawing/2014/main" id="{E0198722-8133-433F-B1C3-16E31423BCAA}"/>
+                <a16:creationId xmlns="" xmlns:a16="http://schemas.microsoft.com/office/drawing/2014/main" id="{E0198722-8133-433F-B1C3-16E31423BCAA}"/>
               </a:ext>
             </a:extLst>
           </p:cNvPr>
@@ -6809,7 +6901,7 @@
           <p:cNvPr id="2" name="Title 1">
             <a:extLst>
               <a:ext uri="{FF2B5EF4-FFF2-40B4-BE49-F238E27FC236}">
-                <a16:creationId xmlns:a16="http://schemas.microsoft.com/office/drawing/2014/main" id="{5D2D0962-CAEA-4279-A005-981AC154E05F}"/>
+                <a16:creationId xmlns="" xmlns:a16="http://schemas.microsoft.com/office/drawing/2014/main" id="{5D2D0962-CAEA-4279-A005-981AC154E05F}"/>
               </a:ext>
             </a:extLst>
           </p:cNvPr>
@@ -6826,8 +6918,12 @@
           <a:lstStyle/>
           <a:p>
             <a:r>
-              <a:rPr lang="en-US" dirty="0"/>
-              <a:t>HIPPA (2002)</a:t>
+              <a:rPr lang="en-US" dirty="0" smtClean="0"/>
+              <a:t>HIPAA </a:t>
+            </a:r>
+            <a:r>
+              <a:rPr lang="en-US" dirty="0"/>
+              <a:t>(2002)</a:t>
             </a:r>
           </a:p>
         </p:txBody>
@@ -6837,7 +6933,7 @@
           <p:cNvPr id="3" name="Content Placeholder 2">
             <a:extLst>
               <a:ext uri="{FF2B5EF4-FFF2-40B4-BE49-F238E27FC236}">
-                <a16:creationId xmlns:a16="http://schemas.microsoft.com/office/drawing/2014/main" id="{646D546F-C489-4F0E-93A6-065AEFFCE8C3}"/>
+                <a16:creationId xmlns="" xmlns:a16="http://schemas.microsoft.com/office/drawing/2014/main" id="{646D546F-C489-4F0E-93A6-065AEFFCE8C3}"/>
               </a:ext>
             </a:extLst>
           </p:cNvPr>
@@ -6877,7 +6973,7 @@
           <p:cNvPr id="4" name="Slide Number Placeholder 3">
             <a:extLst>
               <a:ext uri="{FF2B5EF4-FFF2-40B4-BE49-F238E27FC236}">
-                <a16:creationId xmlns:a16="http://schemas.microsoft.com/office/drawing/2014/main" id="{6B2A9A02-1AA9-48B8-A8DF-9FF48BDD968B}"/>
+                <a16:creationId xmlns="" xmlns:a16="http://schemas.microsoft.com/office/drawing/2014/main" id="{6B2A9A02-1AA9-48B8-A8DF-9FF48BDD968B}"/>
               </a:ext>
             </a:extLst>
           </p:cNvPr>

--- a/Common-and-Prerequisite-Material/Module_Legal/Lesson_3_LegalAspects_Privacy.pptx
+++ b/Common-and-Prerequisite-Material/Module_Legal/Lesson_3_LegalAspects_Privacy.pptx
@@ -24,7 +24,7 @@
     <p:sldId id="343" r:id="rId15"/>
     <p:sldId id="344" r:id="rId16"/>
     <p:sldId id="345" r:id="rId17"/>
-    <p:sldId id="333" r:id="rId18"/>
+    <p:sldId id="349" r:id="rId18"/>
   </p:sldIdLst>
   <p:sldSz cx="9144000" cy="6858000" type="screen4x3"/>
   <p:notesSz cx="7315200" cy="9601200"/>
@@ -284,7 +284,7 @@
               <a:pPr>
                 <a:defRPr/>
               </a:pPr>
-              <a:t>4/19/18</a:t>
+              <a:t>4/24/18</a:t>
             </a:fld>
             <a:endParaRPr lang="en-US"/>
           </a:p>
@@ -1133,7 +1133,7 @@
     </p:spTree>
     <p:extLst>
       <p:ext uri="{BB962C8B-B14F-4D97-AF65-F5344CB8AC3E}">
-        <p14:creationId xmlns:p14="http://schemas.microsoft.com/office/powerpoint/2010/main" val="2433617412"/>
+        <p14:creationId xmlns:p14="http://schemas.microsoft.com/office/powerpoint/2010/main" val="1493231262"/>
       </p:ext>
     </p:extLst>
   </p:cSld>
@@ -3097,7 +3097,7 @@
           <p:cNvPr id="2" name="Title 1">
             <a:extLst>
               <a:ext uri="{FF2B5EF4-FFF2-40B4-BE49-F238E27FC236}">
-                <a16:creationId xmlns="" xmlns:a16="http://schemas.microsoft.com/office/drawing/2014/main" id="{5C287DE2-E1A2-4F41-96FE-94AF4425CB03}"/>
+                <a16:creationId xmlns:a16="http://schemas.microsoft.com/office/drawing/2014/main" xmlns="" id="{5C287DE2-E1A2-4F41-96FE-94AF4425CB03}"/>
               </a:ext>
             </a:extLst>
           </p:cNvPr>
@@ -3236,7 +3236,7 @@
           <p:cNvPr id="3" name="Slide Number Placeholder 2">
             <a:extLst>
               <a:ext uri="{FF2B5EF4-FFF2-40B4-BE49-F238E27FC236}">
-                <a16:creationId xmlns="" xmlns:a16="http://schemas.microsoft.com/office/drawing/2014/main" id="{7D2FFADE-E1BC-48C1-83AA-6DDDD39A33C4}"/>
+                <a16:creationId xmlns:a16="http://schemas.microsoft.com/office/drawing/2014/main" xmlns="" id="{7D2FFADE-E1BC-48C1-83AA-6DDDD39A33C4}"/>
               </a:ext>
             </a:extLst>
           </p:cNvPr>
@@ -3271,7 +3271,7 @@
           <p:cNvPr id="9" name="Picture 8">
             <a:extLst>
               <a:ext uri="{FF2B5EF4-FFF2-40B4-BE49-F238E27FC236}">
-                <a16:creationId xmlns="" xmlns:a16="http://schemas.microsoft.com/office/drawing/2014/main" id="{9CBFC76A-A606-42CF-BCDF-C73975C150B9}"/>
+                <a16:creationId xmlns:a16="http://schemas.microsoft.com/office/drawing/2014/main" xmlns="" id="{9CBFC76A-A606-42CF-BCDF-C73975C150B9}"/>
               </a:ext>
             </a:extLst>
           </p:cNvPr>
@@ -4337,7 +4337,7 @@
           <p:cNvPr id="2" name="Title 1">
             <a:extLst>
               <a:ext uri="{FF2B5EF4-FFF2-40B4-BE49-F238E27FC236}">
-                <a16:creationId xmlns="" xmlns:a16="http://schemas.microsoft.com/office/drawing/2014/main" id="{63A95F7E-1B6A-425D-B29E-3A8170665A10}"/>
+                <a16:creationId xmlns:a16="http://schemas.microsoft.com/office/drawing/2014/main" xmlns="" id="{63A95F7E-1B6A-425D-B29E-3A8170665A10}"/>
               </a:ext>
             </a:extLst>
           </p:cNvPr>
@@ -4369,7 +4369,7 @@
           <p:cNvPr id="3" name="Content Placeholder 2">
             <a:extLst>
               <a:ext uri="{FF2B5EF4-FFF2-40B4-BE49-F238E27FC236}">
-                <a16:creationId xmlns="" xmlns:a16="http://schemas.microsoft.com/office/drawing/2014/main" id="{28835A2E-EC61-49E8-86FF-BE776777C29D}"/>
+                <a16:creationId xmlns:a16="http://schemas.microsoft.com/office/drawing/2014/main" xmlns="" id="{28835A2E-EC61-49E8-86FF-BE776777C29D}"/>
               </a:ext>
             </a:extLst>
           </p:cNvPr>
@@ -4430,7 +4430,7 @@
           <p:cNvPr id="4" name="Slide Number Placeholder 3">
             <a:extLst>
               <a:ext uri="{FF2B5EF4-FFF2-40B4-BE49-F238E27FC236}">
-                <a16:creationId xmlns="" xmlns:a16="http://schemas.microsoft.com/office/drawing/2014/main" id="{67868FEA-9596-4CBE-AD28-2878E455A98C}"/>
+                <a16:creationId xmlns:a16="http://schemas.microsoft.com/office/drawing/2014/main" xmlns="" id="{67868FEA-9596-4CBE-AD28-2878E455A98C}"/>
               </a:ext>
             </a:extLst>
           </p:cNvPr>
@@ -4495,7 +4495,7 @@
           <p:cNvPr id="2" name="Title 1">
             <a:extLst>
               <a:ext uri="{FF2B5EF4-FFF2-40B4-BE49-F238E27FC236}">
-                <a16:creationId xmlns="" xmlns:a16="http://schemas.microsoft.com/office/drawing/2014/main" id="{010CB638-4D94-4C4E-8C38-CA3B8B27E5D7}"/>
+                <a16:creationId xmlns:a16="http://schemas.microsoft.com/office/drawing/2014/main" xmlns="" id="{010CB638-4D94-4C4E-8C38-CA3B8B27E5D7}"/>
               </a:ext>
             </a:extLst>
           </p:cNvPr>
@@ -4527,7 +4527,7 @@
           <p:cNvPr id="3" name="Content Placeholder 2">
             <a:extLst>
               <a:ext uri="{FF2B5EF4-FFF2-40B4-BE49-F238E27FC236}">
-                <a16:creationId xmlns="" xmlns:a16="http://schemas.microsoft.com/office/drawing/2014/main" id="{F7BB0BAD-86E3-40DD-869F-7DF12477E483}"/>
+                <a16:creationId xmlns:a16="http://schemas.microsoft.com/office/drawing/2014/main" xmlns="" id="{F7BB0BAD-86E3-40DD-869F-7DF12477E483}"/>
               </a:ext>
             </a:extLst>
           </p:cNvPr>
@@ -4606,7 +4606,7 @@
           <p:cNvPr id="4" name="Slide Number Placeholder 3">
             <a:extLst>
               <a:ext uri="{FF2B5EF4-FFF2-40B4-BE49-F238E27FC236}">
-                <a16:creationId xmlns="" xmlns:a16="http://schemas.microsoft.com/office/drawing/2014/main" id="{DBAD2D30-3214-42E0-9601-D63C2EC0221C}"/>
+                <a16:creationId xmlns:a16="http://schemas.microsoft.com/office/drawing/2014/main" xmlns="" id="{DBAD2D30-3214-42E0-9601-D63C2EC0221C}"/>
               </a:ext>
             </a:extLst>
           </p:cNvPr>
@@ -4671,7 +4671,7 @@
           <p:cNvPr id="2" name="Title 1">
             <a:extLst>
               <a:ext uri="{FF2B5EF4-FFF2-40B4-BE49-F238E27FC236}">
-                <a16:creationId xmlns="" xmlns:a16="http://schemas.microsoft.com/office/drawing/2014/main" id="{A842DCCE-4415-463D-B4E3-A0EF38D7B52E}"/>
+                <a16:creationId xmlns:a16="http://schemas.microsoft.com/office/drawing/2014/main" xmlns="" id="{A842DCCE-4415-463D-B4E3-A0EF38D7B52E}"/>
               </a:ext>
             </a:extLst>
           </p:cNvPr>
@@ -4699,7 +4699,7 @@
           <p:cNvPr id="3" name="Content Placeholder 2">
             <a:extLst>
               <a:ext uri="{FF2B5EF4-FFF2-40B4-BE49-F238E27FC236}">
-                <a16:creationId xmlns="" xmlns:a16="http://schemas.microsoft.com/office/drawing/2014/main" id="{7C4CEBAA-6728-4484-9699-9EC9C1CBE465}"/>
+                <a16:creationId xmlns:a16="http://schemas.microsoft.com/office/drawing/2014/main" xmlns="" id="{7C4CEBAA-6728-4484-9699-9EC9C1CBE465}"/>
               </a:ext>
             </a:extLst>
           </p:cNvPr>
@@ -4735,7 +4735,7 @@
           <p:cNvPr id="4" name="Slide Number Placeholder 3">
             <a:extLst>
               <a:ext uri="{FF2B5EF4-FFF2-40B4-BE49-F238E27FC236}">
-                <a16:creationId xmlns="" xmlns:a16="http://schemas.microsoft.com/office/drawing/2014/main" id="{C66E3485-FF99-4C17-B1B7-FFD945EC6AA2}"/>
+                <a16:creationId xmlns:a16="http://schemas.microsoft.com/office/drawing/2014/main" xmlns="" id="{C66E3485-FF99-4C17-B1B7-FFD945EC6AA2}"/>
               </a:ext>
             </a:extLst>
           </p:cNvPr>
@@ -4770,7 +4770,7 @@
           <p:cNvPr id="5" name="TextBox 4">
             <a:extLst>
               <a:ext uri="{FF2B5EF4-FFF2-40B4-BE49-F238E27FC236}">
-                <a16:creationId xmlns="" xmlns:a16="http://schemas.microsoft.com/office/drawing/2014/main" id="{C83A9192-9775-4484-B075-118954D72B7F}"/>
+                <a16:creationId xmlns:a16="http://schemas.microsoft.com/office/drawing/2014/main" xmlns="" id="{C83A9192-9775-4484-B075-118954D72B7F}"/>
               </a:ext>
             </a:extLst>
           </p:cNvPr>
@@ -4912,7 +4912,7 @@
           <p:cNvPr id="6" name="TextBox 5">
             <a:extLst>
               <a:ext uri="{FF2B5EF4-FFF2-40B4-BE49-F238E27FC236}">
-                <a16:creationId xmlns="" xmlns:a16="http://schemas.microsoft.com/office/drawing/2014/main" id="{DAF26531-E7DC-47ED-9681-4328892BADED}"/>
+                <a16:creationId xmlns:a16="http://schemas.microsoft.com/office/drawing/2014/main" xmlns="" id="{DAF26531-E7DC-47ED-9681-4328892BADED}"/>
               </a:ext>
             </a:extLst>
           </p:cNvPr>
@@ -4991,7 +4991,7 @@
           <p:cNvPr id="2" name="Title 1">
             <a:extLst>
               <a:ext uri="{FF2B5EF4-FFF2-40B4-BE49-F238E27FC236}">
-                <a16:creationId xmlns="" xmlns:a16="http://schemas.microsoft.com/office/drawing/2014/main" id="{D9547B12-49D0-41E3-8007-E0E9A75827B0}"/>
+                <a16:creationId xmlns:a16="http://schemas.microsoft.com/office/drawing/2014/main" xmlns="" id="{D9547B12-49D0-41E3-8007-E0E9A75827B0}"/>
               </a:ext>
             </a:extLst>
           </p:cNvPr>
@@ -5019,7 +5019,7 @@
           <p:cNvPr id="3" name="Content Placeholder 2">
             <a:extLst>
               <a:ext uri="{FF2B5EF4-FFF2-40B4-BE49-F238E27FC236}">
-                <a16:creationId xmlns="" xmlns:a16="http://schemas.microsoft.com/office/drawing/2014/main" id="{7436943B-86F3-406A-BE74-FF6ED068A8CA}"/>
+                <a16:creationId xmlns:a16="http://schemas.microsoft.com/office/drawing/2014/main" xmlns="" id="{7436943B-86F3-406A-BE74-FF6ED068A8CA}"/>
               </a:ext>
             </a:extLst>
           </p:cNvPr>
@@ -5105,7 +5105,7 @@
           <p:cNvPr id="4" name="Slide Number Placeholder 3">
             <a:extLst>
               <a:ext uri="{FF2B5EF4-FFF2-40B4-BE49-F238E27FC236}">
-                <a16:creationId xmlns="" xmlns:a16="http://schemas.microsoft.com/office/drawing/2014/main" id="{5BAF76AA-B127-4B91-9046-1F8D27025471}"/>
+                <a16:creationId xmlns:a16="http://schemas.microsoft.com/office/drawing/2014/main" xmlns="" id="{5BAF76AA-B127-4B91-9046-1F8D27025471}"/>
               </a:ext>
             </a:extLst>
           </p:cNvPr>
@@ -5170,7 +5170,7 @@
           <p:cNvPr id="2" name="Title 1">
             <a:extLst>
               <a:ext uri="{FF2B5EF4-FFF2-40B4-BE49-F238E27FC236}">
-                <a16:creationId xmlns="" xmlns:a16="http://schemas.microsoft.com/office/drawing/2014/main" id="{196E4A9D-D0AC-43C0-B944-E8A7FC827090}"/>
+                <a16:creationId xmlns:a16="http://schemas.microsoft.com/office/drawing/2014/main" xmlns="" id="{196E4A9D-D0AC-43C0-B944-E8A7FC827090}"/>
               </a:ext>
             </a:extLst>
           </p:cNvPr>
@@ -5202,7 +5202,7 @@
           <p:cNvPr id="3" name="Content Placeholder 2">
             <a:extLst>
               <a:ext uri="{FF2B5EF4-FFF2-40B4-BE49-F238E27FC236}">
-                <a16:creationId xmlns="" xmlns:a16="http://schemas.microsoft.com/office/drawing/2014/main" id="{34CC1740-D4D6-4C18-A158-4CCC7D56182F}"/>
+                <a16:creationId xmlns:a16="http://schemas.microsoft.com/office/drawing/2014/main" xmlns="" id="{34CC1740-D4D6-4C18-A158-4CCC7D56182F}"/>
               </a:ext>
             </a:extLst>
           </p:cNvPr>
@@ -5335,7 +5335,7 @@
           <p:cNvPr id="4" name="Slide Number Placeholder 3">
             <a:extLst>
               <a:ext uri="{FF2B5EF4-FFF2-40B4-BE49-F238E27FC236}">
-                <a16:creationId xmlns="" xmlns:a16="http://schemas.microsoft.com/office/drawing/2014/main" id="{A8CF0127-F9C2-4427-95C5-1CCDC72CFDAD}"/>
+                <a16:creationId xmlns:a16="http://schemas.microsoft.com/office/drawing/2014/main" xmlns="" id="{A8CF0127-F9C2-4427-95C5-1CCDC72CFDAD}"/>
               </a:ext>
             </a:extLst>
           </p:cNvPr>
@@ -5400,7 +5400,7 @@
           <p:cNvPr id="2" name="Title 1">
             <a:extLst>
               <a:ext uri="{FF2B5EF4-FFF2-40B4-BE49-F238E27FC236}">
-                <a16:creationId xmlns="" xmlns:a16="http://schemas.microsoft.com/office/drawing/2014/main" id="{66AE1BA1-2FE3-432F-893C-87BF6BB1BD4A}"/>
+                <a16:creationId xmlns:a16="http://schemas.microsoft.com/office/drawing/2014/main" xmlns="" id="{66AE1BA1-2FE3-432F-893C-87BF6BB1BD4A}"/>
               </a:ext>
             </a:extLst>
           </p:cNvPr>
@@ -5432,7 +5432,7 @@
           <p:cNvPr id="3" name="Content Placeholder 2">
             <a:extLst>
               <a:ext uri="{FF2B5EF4-FFF2-40B4-BE49-F238E27FC236}">
-                <a16:creationId xmlns="" xmlns:a16="http://schemas.microsoft.com/office/drawing/2014/main" id="{75D4C875-2201-4114-A4ED-C63E6831E0CD}"/>
+                <a16:creationId xmlns:a16="http://schemas.microsoft.com/office/drawing/2014/main" xmlns="" id="{75D4C875-2201-4114-A4ED-C63E6831E0CD}"/>
               </a:ext>
             </a:extLst>
           </p:cNvPr>
@@ -5588,7 +5588,7 @@
           <p:cNvPr id="4" name="Slide Number Placeholder 3">
             <a:extLst>
               <a:ext uri="{FF2B5EF4-FFF2-40B4-BE49-F238E27FC236}">
-                <a16:creationId xmlns="" xmlns:a16="http://schemas.microsoft.com/office/drawing/2014/main" id="{D45B522E-3680-4A42-AEF7-C2755E56D4BB}"/>
+                <a16:creationId xmlns:a16="http://schemas.microsoft.com/office/drawing/2014/main" xmlns="" id="{D45B522E-3680-4A42-AEF7-C2755E56D4BB}"/>
               </a:ext>
             </a:extLst>
           </p:cNvPr>
@@ -5653,7 +5653,7 @@
           <p:cNvPr id="2" name="Title 1">
             <a:extLst>
               <a:ext uri="{FF2B5EF4-FFF2-40B4-BE49-F238E27FC236}">
-                <a16:creationId xmlns="" xmlns:a16="http://schemas.microsoft.com/office/drawing/2014/main" id="{03C40426-83C4-4799-907F-F9D6DB2D91BD}"/>
+                <a16:creationId xmlns:a16="http://schemas.microsoft.com/office/drawing/2014/main" xmlns="" id="{03C40426-83C4-4799-907F-F9D6DB2D91BD}"/>
               </a:ext>
             </a:extLst>
           </p:cNvPr>
@@ -5681,7 +5681,7 @@
           <p:cNvPr id="3" name="Content Placeholder 2">
             <a:extLst>
               <a:ext uri="{FF2B5EF4-FFF2-40B4-BE49-F238E27FC236}">
-                <a16:creationId xmlns="" xmlns:a16="http://schemas.microsoft.com/office/drawing/2014/main" id="{EB1F0C08-5FCF-4C7B-9CF5-A14B89CD9C48}"/>
+                <a16:creationId xmlns:a16="http://schemas.microsoft.com/office/drawing/2014/main" xmlns="" id="{EB1F0C08-5FCF-4C7B-9CF5-A14B89CD9C48}"/>
               </a:ext>
             </a:extLst>
           </p:cNvPr>
@@ -5741,7 +5741,7 @@
           <p:cNvPr id="4" name="Slide Number Placeholder 3">
             <a:extLst>
               <a:ext uri="{FF2B5EF4-FFF2-40B4-BE49-F238E27FC236}">
-                <a16:creationId xmlns="" xmlns:a16="http://schemas.microsoft.com/office/drawing/2014/main" id="{DC69B8B7-6D64-46F9-AC29-CD8B715F841D}"/>
+                <a16:creationId xmlns:a16="http://schemas.microsoft.com/office/drawing/2014/main" xmlns="" id="{DC69B8B7-6D64-46F9-AC29-CD8B715F841D}"/>
               </a:ext>
             </a:extLst>
           </p:cNvPr>
@@ -5803,31 +5803,6 @@
       </p:grpSpPr>
       <p:sp>
         <p:nvSpPr>
-          <p:cNvPr id="11" name="Title 10">
-            <a:extLst>
-              <a:ext uri="{FF2B5EF4-FFF2-40B4-BE49-F238E27FC236}">
-                <a16:creationId xmlns="" xmlns:a16="http://schemas.microsoft.com/office/drawing/2014/main" id="{1F52A716-5142-4987-84C0-078D1007C406}"/>
-              </a:ext>
-            </a:extLst>
-          </p:cNvPr>
-          <p:cNvSpPr>
-            <a:spLocks noGrp="1"/>
-          </p:cNvSpPr>
-          <p:nvPr>
-            <p:ph type="title"/>
-          </p:nvPr>
-        </p:nvSpPr>
-        <p:spPr/>
-        <p:txBody>
-          <a:bodyPr/>
-          <a:lstStyle/>
-          <a:p>
-            <a:endParaRPr lang="en-US" dirty="0"/>
-          </a:p>
-        </p:txBody>
-      </p:sp>
-      <p:sp>
-        <p:nvSpPr>
           <p:cNvPr id="7" name="Slide Number Placeholder 6">
             <a:extLst>
               <a:ext uri="{FF2B5EF4-FFF2-40B4-BE49-F238E27FC236}">
@@ -5856,13 +5831,333 @@
           </a:p>
         </p:txBody>
       </p:sp>
+      <p:sp>
+        <p:nvSpPr>
+          <p:cNvPr id="19" name="Text Placeholder 7">
+            <a:extLst>
+              <a:ext uri="{FF2B5EF4-FFF2-40B4-BE49-F238E27FC236}">
+                <a16:creationId xmlns="" xmlns:a16="http://schemas.microsoft.com/office/drawing/2014/main" id="{2785A2B3-FCF4-4D59-9841-12917D91B27A}"/>
+              </a:ext>
+            </a:extLst>
+          </p:cNvPr>
+          <p:cNvSpPr txBox="1">
+            <a:spLocks/>
+          </p:cNvSpPr>
+          <p:nvPr/>
+        </p:nvSpPr>
+        <p:spPr>
+          <a:xfrm>
+            <a:off x="725683" y="871606"/>
+            <a:ext cx="7893050" cy="5114787"/>
+          </a:xfrm>
+          <a:prstGeom prst="rect">
+            <a:avLst/>
+          </a:prstGeom>
+        </p:spPr>
+        <p:txBody>
+          <a:bodyPr/>
+          <a:lstStyle>
+            <a:lvl1pPr marL="0" indent="0" algn="ctr" defTabSz="685800" rtl="0" eaLnBrk="0" fontAlgn="base" hangingPunct="0">
+              <a:lnSpc>
+                <a:spcPct val="90000"/>
+              </a:lnSpc>
+              <a:spcBef>
+                <a:spcPts val="750"/>
+              </a:spcBef>
+              <a:spcAft>
+                <a:spcPct val="0"/>
+              </a:spcAft>
+              <a:buFont typeface="Arial" charset="0"/>
+              <a:buNone/>
+              <a:defRPr sz="1800" kern="1200">
+                <a:solidFill>
+                  <a:schemeClr val="tx1"/>
+                </a:solidFill>
+                <a:latin typeface="+mn-lt"/>
+                <a:ea typeface="+mn-ea"/>
+                <a:cs typeface="+mn-cs"/>
+              </a:defRPr>
+            </a:lvl1pPr>
+            <a:lvl2pPr marL="514350" indent="-171450" algn="l" defTabSz="685800" rtl="0" eaLnBrk="0" fontAlgn="base" hangingPunct="0">
+              <a:lnSpc>
+                <a:spcPct val="90000"/>
+              </a:lnSpc>
+              <a:spcBef>
+                <a:spcPts val="375"/>
+              </a:spcBef>
+              <a:spcAft>
+                <a:spcPct val="0"/>
+              </a:spcAft>
+              <a:buFont typeface="Arial" charset="0"/>
+              <a:buChar char="•"/>
+              <a:defRPr sz="2400" kern="1200">
+                <a:solidFill>
+                  <a:schemeClr val="tx1"/>
+                </a:solidFill>
+                <a:latin typeface="+mn-lt"/>
+                <a:ea typeface="+mn-ea"/>
+                <a:cs typeface="+mn-cs"/>
+              </a:defRPr>
+            </a:lvl2pPr>
+            <a:lvl3pPr marL="857250" indent="-171450" algn="l" defTabSz="685800" rtl="0" eaLnBrk="0" fontAlgn="base" hangingPunct="0">
+              <a:lnSpc>
+                <a:spcPct val="90000"/>
+              </a:lnSpc>
+              <a:spcBef>
+                <a:spcPts val="375"/>
+              </a:spcBef>
+              <a:spcAft>
+                <a:spcPct val="0"/>
+              </a:spcAft>
+              <a:buFont typeface="Arial" charset="0"/>
+              <a:buChar char="•"/>
+              <a:defRPr sz="1800" kern="1200">
+                <a:solidFill>
+                  <a:schemeClr val="tx1"/>
+                </a:solidFill>
+                <a:latin typeface="+mn-lt"/>
+                <a:ea typeface="+mn-ea"/>
+                <a:cs typeface="+mn-cs"/>
+              </a:defRPr>
+            </a:lvl3pPr>
+            <a:lvl4pPr marL="1200150" indent="-171450" algn="l" defTabSz="685800" rtl="0" eaLnBrk="0" fontAlgn="base" hangingPunct="0">
+              <a:lnSpc>
+                <a:spcPct val="90000"/>
+              </a:lnSpc>
+              <a:spcBef>
+                <a:spcPts val="375"/>
+              </a:spcBef>
+              <a:spcAft>
+                <a:spcPct val="0"/>
+              </a:spcAft>
+              <a:buFont typeface="Arial" charset="0"/>
+              <a:buChar char="•"/>
+              <a:defRPr sz="1600" kern="1200">
+                <a:solidFill>
+                  <a:schemeClr val="tx1"/>
+                </a:solidFill>
+                <a:latin typeface="+mn-lt"/>
+                <a:ea typeface="+mn-ea"/>
+                <a:cs typeface="+mn-cs"/>
+              </a:defRPr>
+            </a:lvl4pPr>
+            <a:lvl5pPr marL="1543050" indent="-171450" algn="l" defTabSz="685800" rtl="0" eaLnBrk="0" fontAlgn="base" hangingPunct="0">
+              <a:lnSpc>
+                <a:spcPct val="90000"/>
+              </a:lnSpc>
+              <a:spcBef>
+                <a:spcPts val="375"/>
+              </a:spcBef>
+              <a:spcAft>
+                <a:spcPct val="0"/>
+              </a:spcAft>
+              <a:buFont typeface="Arial" charset="0"/>
+              <a:buChar char="•"/>
+              <a:defRPr sz="1600" kern="1200">
+                <a:solidFill>
+                  <a:schemeClr val="tx1"/>
+                </a:solidFill>
+                <a:latin typeface="+mn-lt"/>
+                <a:ea typeface="+mn-ea"/>
+                <a:cs typeface="+mn-cs"/>
+              </a:defRPr>
+            </a:lvl5pPr>
+            <a:lvl6pPr marL="1885950" indent="-171450" algn="l" defTabSz="685800" rtl="0" eaLnBrk="1" latinLnBrk="0" hangingPunct="1">
+              <a:lnSpc>
+                <a:spcPct val="90000"/>
+              </a:lnSpc>
+              <a:spcBef>
+                <a:spcPts val="375"/>
+              </a:spcBef>
+              <a:buFont typeface="Arial" panose="020B0604020202020204" pitchFamily="34" charset="0"/>
+              <a:buChar char="•"/>
+              <a:defRPr sz="1350" kern="1200">
+                <a:solidFill>
+                  <a:schemeClr val="tx1"/>
+                </a:solidFill>
+                <a:latin typeface="+mn-lt"/>
+                <a:ea typeface="+mn-ea"/>
+                <a:cs typeface="+mn-cs"/>
+              </a:defRPr>
+            </a:lvl6pPr>
+            <a:lvl7pPr marL="2228850" indent="-171450" algn="l" defTabSz="685800" rtl="0" eaLnBrk="1" latinLnBrk="0" hangingPunct="1">
+              <a:lnSpc>
+                <a:spcPct val="90000"/>
+              </a:lnSpc>
+              <a:spcBef>
+                <a:spcPts val="375"/>
+              </a:spcBef>
+              <a:buFont typeface="Arial" panose="020B0604020202020204" pitchFamily="34" charset="0"/>
+              <a:buChar char="•"/>
+              <a:defRPr sz="1350" kern="1200">
+                <a:solidFill>
+                  <a:schemeClr val="tx1"/>
+                </a:solidFill>
+                <a:latin typeface="+mn-lt"/>
+                <a:ea typeface="+mn-ea"/>
+                <a:cs typeface="+mn-cs"/>
+              </a:defRPr>
+            </a:lvl7pPr>
+            <a:lvl8pPr marL="2571750" indent="-171450" algn="l" defTabSz="685800" rtl="0" eaLnBrk="1" latinLnBrk="0" hangingPunct="1">
+              <a:lnSpc>
+                <a:spcPct val="90000"/>
+              </a:lnSpc>
+              <a:spcBef>
+                <a:spcPts val="375"/>
+              </a:spcBef>
+              <a:buFont typeface="Arial" panose="020B0604020202020204" pitchFamily="34" charset="0"/>
+              <a:buChar char="•"/>
+              <a:defRPr sz="1350" kern="1200">
+                <a:solidFill>
+                  <a:schemeClr val="tx1"/>
+                </a:solidFill>
+                <a:latin typeface="+mn-lt"/>
+                <a:ea typeface="+mn-ea"/>
+                <a:cs typeface="+mn-cs"/>
+              </a:defRPr>
+            </a:lvl8pPr>
+            <a:lvl9pPr marL="2914650" indent="-171450" algn="l" defTabSz="685800" rtl="0" eaLnBrk="1" latinLnBrk="0" hangingPunct="1">
+              <a:lnSpc>
+                <a:spcPct val="90000"/>
+              </a:lnSpc>
+              <a:spcBef>
+                <a:spcPts val="375"/>
+              </a:spcBef>
+              <a:buFont typeface="Arial" panose="020B0604020202020204" pitchFamily="34" charset="0"/>
+              <a:buChar char="•"/>
+              <a:defRPr sz="1350" kern="1200">
+                <a:solidFill>
+                  <a:schemeClr val="tx1"/>
+                </a:solidFill>
+                <a:latin typeface="+mn-lt"/>
+                <a:ea typeface="+mn-ea"/>
+                <a:cs typeface="+mn-cs"/>
+              </a:defRPr>
+            </a:lvl9pPr>
+          </a:lstStyle>
+          <a:p>
+            <a:r>
+              <a:rPr lang="en-US" dirty="0"/>
+              <a:t>Please attribute Dr. Jim Alves-Foss and Dr. Jia Song, University of Idaho</a:t>
+            </a:r>
+            <a:br>
+              <a:rPr lang="en-US" dirty="0"/>
+            </a:br>
+            <a:r>
+              <a:rPr lang="en-US" dirty="0"/>
+              <a:t/>
+            </a:r>
+            <a:br>
+              <a:rPr lang="en-US" dirty="0"/>
+            </a:br>
+            <a:r>
+              <a:rPr lang="en-US" dirty="0"/>
+              <a:t/>
+            </a:r>
+            <a:br>
+              <a:rPr lang="en-US" dirty="0"/>
+            </a:br>
+            <a:r>
+              <a:rPr lang="en-US" dirty="0"/>
+              <a:t/>
+            </a:r>
+            <a:br>
+              <a:rPr lang="en-US" dirty="0"/>
+            </a:br>
+            <a:r>
+              <a:rPr lang="en-US" dirty="0"/>
+              <a:t/>
+            </a:r>
+            <a:br>
+              <a:rPr lang="en-US" dirty="0"/>
+            </a:br>
+            <a:r>
+              <a:rPr lang="en-US" dirty="0"/>
+              <a:t/>
+            </a:r>
+            <a:br>
+              <a:rPr lang="en-US" dirty="0"/>
+            </a:br>
+            <a:r>
+              <a:rPr lang="en-US" dirty="0"/>
+              <a:t/>
+            </a:r>
+            <a:br>
+              <a:rPr lang="en-US" dirty="0"/>
+            </a:br>
+            <a:r>
+              <a:rPr lang="en-US" dirty="0"/>
+              <a:t/>
+            </a:r>
+            <a:br>
+              <a:rPr lang="en-US" dirty="0"/>
+            </a:br>
+            <a:endParaRPr lang="en-US" dirty="0"/>
+          </a:p>
+          <a:p>
+            <a:r>
+              <a:rPr lang="en-US" sz="1600" dirty="0"/>
+              <a:t>Except where otherwise noted, this work is licensed under https://creativecommons.org/licenses/by-nc-sa/4.0/</a:t>
+            </a:r>
+            <a:br>
+              <a:rPr lang="en-US" sz="1600" dirty="0"/>
+            </a:br>
+            <a:r>
+              <a:rPr lang="en-US" sz="1600" dirty="0"/>
+              <a:t/>
+            </a:r>
+            <a:br>
+              <a:rPr lang="en-US" sz="1600" dirty="0"/>
+            </a:br>
+            <a:r>
+              <a:rPr lang="en-US" sz="1600" dirty="0"/>
+              <a:t>Not withstanding the non-commercial license terms, non-profit educational institutions are granted a non-exclusive license to adapt and use this material, with attribution.</a:t>
+            </a:r>
+            <a:br>
+              <a:rPr lang="en-US" sz="1600" dirty="0"/>
+            </a:br>
+            <a:r>
+              <a:rPr lang="en-US" sz="1600" dirty="0"/>
+              <a:t/>
+            </a:r>
+            <a:br>
+              <a:rPr lang="en-US" sz="1600" dirty="0"/>
+            </a:br>
+            <a:r>
+              <a:rPr lang="en-US" sz="1600" dirty="0"/>
+              <a:t>Creative Commons and the double C in a circle are registered trademarks of Creative commons in the United States and other countries. Third party marks and brands are the property of their respective holders</a:t>
+            </a:r>
+            <a:r>
+              <a:rPr lang="en-US" sz="1600" dirty="0" smtClean="0"/>
+              <a:t>.</a:t>
+            </a:r>
+          </a:p>
+          <a:p>
+            <a:r>
+              <a:rPr lang="en-US" sz="1600" dirty="0"/>
+              <a:t>Project sponsored by the National Security Agency under grant Number </a:t>
+            </a:r>
+            <a:r>
+              <a:rPr lang="en-US" sz="1600" dirty="0" smtClean="0"/>
+              <a:t>H98230-17-1-0199. The </a:t>
+            </a:r>
+            <a:r>
+              <a:rPr lang="en-US" sz="1600" dirty="0"/>
+              <a:t>United States Government is authorized to reproduce and distribute reprints notwithstanding any copyright notation herein.</a:t>
+            </a:r>
+          </a:p>
+          <a:p>
+            <a:endParaRPr lang="en-US" sz="1600" dirty="0"/>
+          </a:p>
+        </p:txBody>
+      </p:sp>
     </p:spTree>
     <p:custDataLst>
       <p:tags r:id="rId1"/>
     </p:custDataLst>
     <p:extLst>
       <p:ext uri="{BB962C8B-B14F-4D97-AF65-F5344CB8AC3E}">
-        <p14:creationId xmlns:p14="http://schemas.microsoft.com/office/powerpoint/2010/main" val="1892705052"/>
+        <p14:creationId xmlns:p14="http://schemas.microsoft.com/office/powerpoint/2010/main" val="2078063889"/>
       </p:ext>
     </p:extLst>
   </p:cSld>
@@ -5952,7 +6247,7 @@
           <p:cNvPr id="3" name="Slide Number Placeholder 2">
             <a:extLst>
               <a:ext uri="{FF2B5EF4-FFF2-40B4-BE49-F238E27FC236}">
-                <a16:creationId xmlns="" xmlns:a16="http://schemas.microsoft.com/office/drawing/2014/main" id="{0B1163B0-19D9-4859-8B88-CD4B646011C3}"/>
+                <a16:creationId xmlns:a16="http://schemas.microsoft.com/office/drawing/2014/main" xmlns="" id="{0B1163B0-19D9-4859-8B88-CD4B646011C3}"/>
               </a:ext>
             </a:extLst>
           </p:cNvPr>
@@ -6015,7 +6310,7 @@
           <p:cNvPr id="2" name="Title 1">
             <a:extLst>
               <a:ext uri="{FF2B5EF4-FFF2-40B4-BE49-F238E27FC236}">
-                <a16:creationId xmlns="" xmlns:a16="http://schemas.microsoft.com/office/drawing/2014/main" id="{BBDB491D-64DC-4CC0-989A-B202536B6F47}"/>
+                <a16:creationId xmlns:a16="http://schemas.microsoft.com/office/drawing/2014/main" xmlns="" id="{BBDB491D-64DC-4CC0-989A-B202536B6F47}"/>
               </a:ext>
             </a:extLst>
           </p:cNvPr>
@@ -6043,7 +6338,7 @@
           <p:cNvPr id="3" name="Content Placeholder 2">
             <a:extLst>
               <a:ext uri="{FF2B5EF4-FFF2-40B4-BE49-F238E27FC236}">
-                <a16:creationId xmlns="" xmlns:a16="http://schemas.microsoft.com/office/drawing/2014/main" id="{59A778C3-AC0E-4B75-9EA9-A6A07AA4FBFD}"/>
+                <a16:creationId xmlns:a16="http://schemas.microsoft.com/office/drawing/2014/main" xmlns="" id="{59A778C3-AC0E-4B75-9EA9-A6A07AA4FBFD}"/>
               </a:ext>
             </a:extLst>
           </p:cNvPr>
@@ -6105,7 +6400,7 @@
           <p:cNvPr id="4" name="Slide Number Placeholder 3">
             <a:extLst>
               <a:ext uri="{FF2B5EF4-FFF2-40B4-BE49-F238E27FC236}">
-                <a16:creationId xmlns="" xmlns:a16="http://schemas.microsoft.com/office/drawing/2014/main" id="{4095C56C-6682-450D-B58C-D0E2347B47C0}"/>
+                <a16:creationId xmlns:a16="http://schemas.microsoft.com/office/drawing/2014/main" xmlns="" id="{4095C56C-6682-450D-B58C-D0E2347B47C0}"/>
               </a:ext>
             </a:extLst>
           </p:cNvPr>
@@ -6170,7 +6465,7 @@
           <p:cNvPr id="2" name="Title 1">
             <a:extLst>
               <a:ext uri="{FF2B5EF4-FFF2-40B4-BE49-F238E27FC236}">
-                <a16:creationId xmlns="" xmlns:a16="http://schemas.microsoft.com/office/drawing/2014/main" id="{2D3F13E2-9874-437C-8E8B-85B5ADF50A3F}"/>
+                <a16:creationId xmlns:a16="http://schemas.microsoft.com/office/drawing/2014/main" xmlns="" id="{2D3F13E2-9874-437C-8E8B-85B5ADF50A3F}"/>
               </a:ext>
             </a:extLst>
           </p:cNvPr>
@@ -6198,7 +6493,7 @@
           <p:cNvPr id="3" name="Content Placeholder 2">
             <a:extLst>
               <a:ext uri="{FF2B5EF4-FFF2-40B4-BE49-F238E27FC236}">
-                <a16:creationId xmlns="" xmlns:a16="http://schemas.microsoft.com/office/drawing/2014/main" id="{8E213C45-B816-437C-9505-B8F317A6B1A9}"/>
+                <a16:creationId xmlns:a16="http://schemas.microsoft.com/office/drawing/2014/main" xmlns="" id="{8E213C45-B816-437C-9505-B8F317A6B1A9}"/>
               </a:ext>
             </a:extLst>
           </p:cNvPr>
@@ -6256,7 +6551,7 @@
           <p:cNvPr id="4" name="Slide Number Placeholder 3">
             <a:extLst>
               <a:ext uri="{FF2B5EF4-FFF2-40B4-BE49-F238E27FC236}">
-                <a16:creationId xmlns="" xmlns:a16="http://schemas.microsoft.com/office/drawing/2014/main" id="{9FE83278-D722-4E92-9F63-D2A76E22FB8E}"/>
+                <a16:creationId xmlns:a16="http://schemas.microsoft.com/office/drawing/2014/main" xmlns="" id="{9FE83278-D722-4E92-9F63-D2A76E22FB8E}"/>
               </a:ext>
             </a:extLst>
           </p:cNvPr>
@@ -6321,7 +6616,7 @@
           <p:cNvPr id="2" name="Title 1">
             <a:extLst>
               <a:ext uri="{FF2B5EF4-FFF2-40B4-BE49-F238E27FC236}">
-                <a16:creationId xmlns="" xmlns:a16="http://schemas.microsoft.com/office/drawing/2014/main" id="{1DA7A03B-D4CE-4F7C-84C7-B1CA68250256}"/>
+                <a16:creationId xmlns:a16="http://schemas.microsoft.com/office/drawing/2014/main" xmlns="" id="{1DA7A03B-D4CE-4F7C-84C7-B1CA68250256}"/>
               </a:ext>
             </a:extLst>
           </p:cNvPr>
@@ -6349,7 +6644,7 @@
           <p:cNvPr id="3" name="Content Placeholder 2">
             <a:extLst>
               <a:ext uri="{FF2B5EF4-FFF2-40B4-BE49-F238E27FC236}">
-                <a16:creationId xmlns="" xmlns:a16="http://schemas.microsoft.com/office/drawing/2014/main" id="{9B5B1F7A-6409-413C-8AD3-D5FC76691E48}"/>
+                <a16:creationId xmlns:a16="http://schemas.microsoft.com/office/drawing/2014/main" xmlns="" id="{9B5B1F7A-6409-413C-8AD3-D5FC76691E48}"/>
               </a:ext>
             </a:extLst>
           </p:cNvPr>
@@ -6400,7 +6695,7 @@
           <p:cNvPr id="4" name="Slide Number Placeholder 3">
             <a:extLst>
               <a:ext uri="{FF2B5EF4-FFF2-40B4-BE49-F238E27FC236}">
-                <a16:creationId xmlns="" xmlns:a16="http://schemas.microsoft.com/office/drawing/2014/main" id="{07CE3B26-9547-47FD-994F-4863369255C4}"/>
+                <a16:creationId xmlns:a16="http://schemas.microsoft.com/office/drawing/2014/main" xmlns="" id="{07CE3B26-9547-47FD-994F-4863369255C4}"/>
               </a:ext>
             </a:extLst>
           </p:cNvPr>
@@ -6465,7 +6760,7 @@
           <p:cNvPr id="2" name="Title 1">
             <a:extLst>
               <a:ext uri="{FF2B5EF4-FFF2-40B4-BE49-F238E27FC236}">
-                <a16:creationId xmlns="" xmlns:a16="http://schemas.microsoft.com/office/drawing/2014/main" id="{E6B0B17E-2C03-472D-9DB1-A6D18CD98C37}"/>
+                <a16:creationId xmlns:a16="http://schemas.microsoft.com/office/drawing/2014/main" xmlns="" id="{E6B0B17E-2C03-472D-9DB1-A6D18CD98C37}"/>
               </a:ext>
             </a:extLst>
           </p:cNvPr>
@@ -6493,7 +6788,7 @@
           <p:cNvPr id="3" name="Content Placeholder 2">
             <a:extLst>
               <a:ext uri="{FF2B5EF4-FFF2-40B4-BE49-F238E27FC236}">
-                <a16:creationId xmlns="" xmlns:a16="http://schemas.microsoft.com/office/drawing/2014/main" id="{1DA26789-01FB-482E-9A1A-686DF04BAAFD}"/>
+                <a16:creationId xmlns:a16="http://schemas.microsoft.com/office/drawing/2014/main" xmlns="" id="{1DA26789-01FB-482E-9A1A-686DF04BAAFD}"/>
               </a:ext>
             </a:extLst>
           </p:cNvPr>
@@ -6537,7 +6832,7 @@
           <p:cNvPr id="4" name="Slide Number Placeholder 3">
             <a:extLst>
               <a:ext uri="{FF2B5EF4-FFF2-40B4-BE49-F238E27FC236}">
-                <a16:creationId xmlns="" xmlns:a16="http://schemas.microsoft.com/office/drawing/2014/main" id="{5DCD1EF0-52A0-445D-87C4-F9E10806B46B}"/>
+                <a16:creationId xmlns:a16="http://schemas.microsoft.com/office/drawing/2014/main" xmlns="" id="{5DCD1EF0-52A0-445D-87C4-F9E10806B46B}"/>
               </a:ext>
             </a:extLst>
           </p:cNvPr>
@@ -6602,7 +6897,7 @@
           <p:cNvPr id="2" name="Title 1">
             <a:extLst>
               <a:ext uri="{FF2B5EF4-FFF2-40B4-BE49-F238E27FC236}">
-                <a16:creationId xmlns="" xmlns:a16="http://schemas.microsoft.com/office/drawing/2014/main" id="{C8334E60-F058-4AC3-BCC6-9D355D012256}"/>
+                <a16:creationId xmlns:a16="http://schemas.microsoft.com/office/drawing/2014/main" xmlns="" id="{C8334E60-F058-4AC3-BCC6-9D355D012256}"/>
               </a:ext>
             </a:extLst>
           </p:cNvPr>
@@ -6630,7 +6925,7 @@
           <p:cNvPr id="3" name="Content Placeholder 2">
             <a:extLst>
               <a:ext uri="{FF2B5EF4-FFF2-40B4-BE49-F238E27FC236}">
-                <a16:creationId xmlns="" xmlns:a16="http://schemas.microsoft.com/office/drawing/2014/main" id="{62B7A6B6-42AC-42BA-95B3-D63FD4617130}"/>
+                <a16:creationId xmlns:a16="http://schemas.microsoft.com/office/drawing/2014/main" xmlns="" id="{62B7A6B6-42AC-42BA-95B3-D63FD4617130}"/>
               </a:ext>
             </a:extLst>
           </p:cNvPr>
@@ -6678,7 +6973,7 @@
           <p:cNvPr id="4" name="Slide Number Placeholder 3">
             <a:extLst>
               <a:ext uri="{FF2B5EF4-FFF2-40B4-BE49-F238E27FC236}">
-                <a16:creationId xmlns="" xmlns:a16="http://schemas.microsoft.com/office/drawing/2014/main" id="{17D02FCC-74BD-4789-92B6-677F75F8F0B9}"/>
+                <a16:creationId xmlns:a16="http://schemas.microsoft.com/office/drawing/2014/main" xmlns="" id="{17D02FCC-74BD-4789-92B6-677F75F8F0B9}"/>
               </a:ext>
             </a:extLst>
           </p:cNvPr>
@@ -6743,7 +7038,7 @@
           <p:cNvPr id="2" name="Title 1">
             <a:extLst>
               <a:ext uri="{FF2B5EF4-FFF2-40B4-BE49-F238E27FC236}">
-                <a16:creationId xmlns="" xmlns:a16="http://schemas.microsoft.com/office/drawing/2014/main" id="{91941CF3-08A7-4487-8D7A-16EA8E42C2E2}"/>
+                <a16:creationId xmlns:a16="http://schemas.microsoft.com/office/drawing/2014/main" xmlns="" id="{91941CF3-08A7-4487-8D7A-16EA8E42C2E2}"/>
               </a:ext>
             </a:extLst>
           </p:cNvPr>
@@ -6771,7 +7066,7 @@
           <p:cNvPr id="3" name="Content Placeholder 2">
             <a:extLst>
               <a:ext uri="{FF2B5EF4-FFF2-40B4-BE49-F238E27FC236}">
-                <a16:creationId xmlns="" xmlns:a16="http://schemas.microsoft.com/office/drawing/2014/main" id="{944ACE30-7E8D-4986-91DE-1E93BCF66D12}"/>
+                <a16:creationId xmlns:a16="http://schemas.microsoft.com/office/drawing/2014/main" xmlns="" id="{944ACE30-7E8D-4986-91DE-1E93BCF66D12}"/>
               </a:ext>
             </a:extLst>
           </p:cNvPr>
@@ -6836,7 +7131,7 @@
           <p:cNvPr id="4" name="Slide Number Placeholder 3">
             <a:extLst>
               <a:ext uri="{FF2B5EF4-FFF2-40B4-BE49-F238E27FC236}">
-                <a16:creationId xmlns="" xmlns:a16="http://schemas.microsoft.com/office/drawing/2014/main" id="{E0198722-8133-433F-B1C3-16E31423BCAA}"/>
+                <a16:creationId xmlns:a16="http://schemas.microsoft.com/office/drawing/2014/main" xmlns="" id="{E0198722-8133-433F-B1C3-16E31423BCAA}"/>
               </a:ext>
             </a:extLst>
           </p:cNvPr>
@@ -6901,7 +7196,7 @@
           <p:cNvPr id="2" name="Title 1">
             <a:extLst>
               <a:ext uri="{FF2B5EF4-FFF2-40B4-BE49-F238E27FC236}">
-                <a16:creationId xmlns="" xmlns:a16="http://schemas.microsoft.com/office/drawing/2014/main" id="{5D2D0962-CAEA-4279-A005-981AC154E05F}"/>
+                <a16:creationId xmlns:a16="http://schemas.microsoft.com/office/drawing/2014/main" xmlns="" id="{5D2D0962-CAEA-4279-A005-981AC154E05F}"/>
               </a:ext>
             </a:extLst>
           </p:cNvPr>
@@ -6933,7 +7228,7 @@
           <p:cNvPr id="3" name="Content Placeholder 2">
             <a:extLst>
               <a:ext uri="{FF2B5EF4-FFF2-40B4-BE49-F238E27FC236}">
-                <a16:creationId xmlns="" xmlns:a16="http://schemas.microsoft.com/office/drawing/2014/main" id="{646D546F-C489-4F0E-93A6-065AEFFCE8C3}"/>
+                <a16:creationId xmlns:a16="http://schemas.microsoft.com/office/drawing/2014/main" xmlns="" id="{646D546F-C489-4F0E-93A6-065AEFFCE8C3}"/>
               </a:ext>
             </a:extLst>
           </p:cNvPr>
@@ -6973,7 +7268,7 @@
           <p:cNvPr id="4" name="Slide Number Placeholder 3">
             <a:extLst>
               <a:ext uri="{FF2B5EF4-FFF2-40B4-BE49-F238E27FC236}">
-                <a16:creationId xmlns="" xmlns:a16="http://schemas.microsoft.com/office/drawing/2014/main" id="{6B2A9A02-1AA9-48B8-A8DF-9FF48BDD968B}"/>
+                <a16:creationId xmlns:a16="http://schemas.microsoft.com/office/drawing/2014/main" xmlns="" id="{6B2A9A02-1AA9-48B8-A8DF-9FF48BDD968B}"/>
               </a:ext>
             </a:extLst>
           </p:cNvPr>
